--- a/Presentation-AlexPractice.pptx
+++ b/Presentation-AlexPractice.pptx
@@ -11,10 +11,10 @@
     <p:sldId id="256" r:id="rId2"/>
     <p:sldId id="257" r:id="rId3"/>
     <p:sldId id="258" r:id="rId4"/>
-    <p:sldId id="259" r:id="rId5"/>
-    <p:sldId id="260" r:id="rId6"/>
-    <p:sldId id="261" r:id="rId7"/>
-    <p:sldId id="262" r:id="rId8"/>
+    <p:sldId id="260" r:id="rId5"/>
+    <p:sldId id="273" r:id="rId6"/>
+    <p:sldId id="262" r:id="rId7"/>
+    <p:sldId id="274" r:id="rId8"/>
     <p:sldId id="263" r:id="rId9"/>
     <p:sldId id="264" r:id="rId10"/>
     <p:sldId id="265" r:id="rId11"/>
@@ -624,7 +624,10 @@
           <a:bodyPr/>
           <a:lstStyle/>
           <a:p>
-            <a:endParaRPr lang="en-CA" dirty="0"/>
+            <a:r>
+              <a:rPr lang="en-CA" dirty="0"/>
+              <a:t>HP: hit points.</a:t>
+            </a:r>
           </a:p>
         </p:txBody>
       </p:sp>
@@ -645,7 +648,7 @@
           <a:p>
             <a:fld id="{10502FE3-10F1-470D-B17A-9098911A08D7}" type="slidenum">
               <a:rPr lang="en-CA" smtClean="0"/>
-              <a:t>8</a:t>
+              <a:t>4</a:t>
             </a:fld>
             <a:endParaRPr lang="en-CA"/>
           </a:p>
@@ -654,7 +657,7 @@
     </p:spTree>
     <p:extLst>
       <p:ext uri="{BB962C8B-B14F-4D97-AF65-F5344CB8AC3E}">
-        <p14:creationId xmlns:p14="http://schemas.microsoft.com/office/powerpoint/2010/main" val="196432363"/>
+        <p14:creationId xmlns:p14="http://schemas.microsoft.com/office/powerpoint/2010/main" val="3539180584"/>
       </p:ext>
     </p:extLst>
   </p:cSld>
@@ -707,6 +710,390 @@
         <p:txBody>
           <a:bodyPr/>
           <a:lstStyle/>
+          <a:p>
+            <a:r>
+              <a:rPr lang="en-CA" b="1" dirty="0"/>
+              <a:t>Ground rules:</a:t>
+            </a:r>
+            <a:r>
+              <a:rPr lang="en-CA" b="0" dirty="0"/>
+              <a:t> Biggest report limitation: Only focusing on primary type (type 1) </a:t>
+            </a:r>
+            <a:r>
+              <a:rPr lang="en-CA" dirty="0"/>
+              <a:t>to maintain a single-label classification structure. Ignoring secondary types (type 2).</a:t>
+            </a:r>
+          </a:p>
+          <a:p>
+            <a:pPr marL="171450" indent="-171450">
+              <a:buFontTx/>
+              <a:buChar char="-"/>
+            </a:pPr>
+            <a:r>
+              <a:rPr lang="en-CA" b="0" dirty="0"/>
+              <a:t>Big challenge for clustering algorithms.</a:t>
+            </a:r>
+          </a:p>
+          <a:p>
+            <a:pPr marL="171450" indent="-171450">
+              <a:buFontTx/>
+              <a:buChar char="-"/>
+            </a:pPr>
+            <a:endParaRPr lang="en-CA" b="0" dirty="0"/>
+          </a:p>
+          <a:p>
+            <a:pPr marL="0" indent="0">
+              <a:buFontTx/>
+              <a:buNone/>
+            </a:pPr>
+            <a:r>
+              <a:rPr lang="en-CA" b="0" dirty="0"/>
+              <a:t>Note: While technically </a:t>
+            </a:r>
+            <a:r>
+              <a:rPr lang="en-CA" b="0" dirty="0" err="1"/>
+              <a:t>Pokemon</a:t>
+            </a:r>
+            <a:r>
+              <a:rPr lang="en-CA" b="0" dirty="0"/>
+              <a:t> have “primary” types – secondary types have near equal value, making this a big limitation of our study.</a:t>
+            </a:r>
+          </a:p>
+          <a:p>
+            <a:pPr marL="0" indent="0">
+              <a:buFontTx/>
+              <a:buNone/>
+            </a:pPr>
+            <a:endParaRPr lang="en-CA" b="0" dirty="0"/>
+          </a:p>
+          <a:p>
+            <a:pPr marL="0" indent="0">
+              <a:buFontTx/>
+              <a:buNone/>
+            </a:pPr>
+            <a:r>
+              <a:rPr lang="en-CA" b="0" dirty="0"/>
+              <a:t>Looking at 18 different types.</a:t>
+            </a:r>
+          </a:p>
+        </p:txBody>
+      </p:sp>
+      <p:sp>
+        <p:nvSpPr>
+          <p:cNvPr id="4" name="Slide Number Placeholder 3"/>
+          <p:cNvSpPr>
+            <a:spLocks noGrp="1"/>
+          </p:cNvSpPr>
+          <p:nvPr>
+            <p:ph type="sldNum" sz="quarter" idx="5"/>
+          </p:nvPr>
+        </p:nvSpPr>
+        <p:spPr/>
+        <p:txBody>
+          <a:bodyPr/>
+          <a:lstStyle/>
+          <a:p>
+            <a:fld id="{10502FE3-10F1-470D-B17A-9098911A08D7}" type="slidenum">
+              <a:rPr lang="en-CA" smtClean="0"/>
+              <a:t>6</a:t>
+            </a:fld>
+            <a:endParaRPr lang="en-CA"/>
+          </a:p>
+        </p:txBody>
+      </p:sp>
+    </p:spTree>
+    <p:extLst>
+      <p:ext uri="{BB962C8B-B14F-4D97-AF65-F5344CB8AC3E}">
+        <p14:creationId xmlns:p14="http://schemas.microsoft.com/office/powerpoint/2010/main" val="3408103732"/>
+      </p:ext>
+    </p:extLst>
+  </p:cSld>
+  <p:clrMapOvr>
+    <a:masterClrMapping/>
+  </p:clrMapOvr>
+</p:notes>
+</file>
+
+<file path=ppt/notesSlides/notesSlide4.xml><?xml version="1.0" encoding="utf-8"?>
+<p:notes xmlns:a="http://schemas.openxmlformats.org/drawingml/2006/main" xmlns:r="http://schemas.openxmlformats.org/officeDocument/2006/relationships" xmlns:p="http://schemas.openxmlformats.org/presentationml/2006/main">
+  <p:cSld>
+    <p:spTree>
+      <p:nvGrpSpPr>
+        <p:cNvPr id="1" name=""/>
+        <p:cNvGrpSpPr/>
+        <p:nvPr/>
+      </p:nvGrpSpPr>
+      <p:grpSpPr>
+        <a:xfrm>
+          <a:off x="0" y="0"/>
+          <a:ext cx="0" cy="0"/>
+          <a:chOff x="0" y="0"/>
+          <a:chExt cx="0" cy="0"/>
+        </a:xfrm>
+      </p:grpSpPr>
+      <p:sp>
+        <p:nvSpPr>
+          <p:cNvPr id="2" name="Slide Image Placeholder 1"/>
+          <p:cNvSpPr>
+            <a:spLocks noGrp="1" noRot="1" noChangeAspect="1"/>
+          </p:cNvSpPr>
+          <p:nvPr>
+            <p:ph type="sldImg"/>
+          </p:nvPr>
+        </p:nvSpPr>
+        <p:spPr/>
+      </p:sp>
+      <p:sp>
+        <p:nvSpPr>
+          <p:cNvPr id="3" name="Notes Placeholder 2"/>
+          <p:cNvSpPr>
+            <a:spLocks noGrp="1"/>
+          </p:cNvSpPr>
+          <p:nvPr>
+            <p:ph type="body" idx="1"/>
+          </p:nvPr>
+        </p:nvSpPr>
+        <p:spPr/>
+        <p:txBody>
+          <a:bodyPr/>
+          <a:lstStyle/>
+          <a:p>
+            <a:r>
+              <a:rPr lang="en-CA" dirty="0"/>
+              <a:t>PC1: height-width stretch = </a:t>
+            </a:r>
+            <a:r>
+              <a:rPr lang="en-CA" dirty="0" err="1"/>
+              <a:t>Pokemon</a:t>
+            </a:r>
+            <a:r>
+              <a:rPr lang="en-CA" dirty="0"/>
+              <a:t> area (size); PC2: height-width ratio</a:t>
+            </a:r>
+          </a:p>
+          <a:p>
+            <a:pPr marL="171450" indent="-171450">
+              <a:buFontTx/>
+              <a:buChar char="-"/>
+            </a:pPr>
+            <a:r>
+              <a:rPr lang="en-CA" dirty="0"/>
+              <a:t>Lack of separation is expected.</a:t>
+            </a:r>
+          </a:p>
+          <a:p>
+            <a:pPr marL="171450" indent="-171450">
+              <a:buFontTx/>
+              <a:buChar char="-"/>
+            </a:pPr>
+            <a:r>
+              <a:rPr lang="en-CA" dirty="0"/>
+              <a:t>Inspires a nonlinear/local dimension reduction technique, i.e. UMAP.</a:t>
+            </a:r>
+          </a:p>
+        </p:txBody>
+      </p:sp>
+      <p:sp>
+        <p:nvSpPr>
+          <p:cNvPr id="4" name="Slide Number Placeholder 3"/>
+          <p:cNvSpPr>
+            <a:spLocks noGrp="1"/>
+          </p:cNvSpPr>
+          <p:nvPr>
+            <p:ph type="sldNum" sz="quarter" idx="5"/>
+          </p:nvPr>
+        </p:nvSpPr>
+        <p:spPr/>
+        <p:txBody>
+          <a:bodyPr/>
+          <a:lstStyle/>
+          <a:p>
+            <a:fld id="{10502FE3-10F1-470D-B17A-9098911A08D7}" type="slidenum">
+              <a:rPr lang="en-CA" smtClean="0"/>
+              <a:t>8</a:t>
+            </a:fld>
+            <a:endParaRPr lang="en-CA"/>
+          </a:p>
+        </p:txBody>
+      </p:sp>
+    </p:spTree>
+    <p:extLst>
+      <p:ext uri="{BB962C8B-B14F-4D97-AF65-F5344CB8AC3E}">
+        <p14:creationId xmlns:p14="http://schemas.microsoft.com/office/powerpoint/2010/main" val="196432363"/>
+      </p:ext>
+    </p:extLst>
+  </p:cSld>
+  <p:clrMapOvr>
+    <a:masterClrMapping/>
+  </p:clrMapOvr>
+</p:notes>
+</file>
+
+<file path=ppt/notesSlides/notesSlide5.xml><?xml version="1.0" encoding="utf-8"?>
+<p:notes xmlns:a="http://schemas.openxmlformats.org/drawingml/2006/main" xmlns:r="http://schemas.openxmlformats.org/officeDocument/2006/relationships" xmlns:p="http://schemas.openxmlformats.org/presentationml/2006/main">
+  <p:cSld>
+    <p:spTree>
+      <p:nvGrpSpPr>
+        <p:cNvPr id="1" name=""/>
+        <p:cNvGrpSpPr/>
+        <p:nvPr/>
+      </p:nvGrpSpPr>
+      <p:grpSpPr>
+        <a:xfrm>
+          <a:off x="0" y="0"/>
+          <a:ext cx="0" cy="0"/>
+          <a:chOff x="0" y="0"/>
+          <a:chExt cx="0" cy="0"/>
+        </a:xfrm>
+      </p:grpSpPr>
+      <p:sp>
+        <p:nvSpPr>
+          <p:cNvPr id="2" name="Slide Image Placeholder 1"/>
+          <p:cNvSpPr>
+            <a:spLocks noGrp="1" noRot="1" noChangeAspect="1"/>
+          </p:cNvSpPr>
+          <p:nvPr>
+            <p:ph type="sldImg"/>
+          </p:nvPr>
+        </p:nvSpPr>
+        <p:spPr/>
+      </p:sp>
+      <p:sp>
+        <p:nvSpPr>
+          <p:cNvPr id="3" name="Notes Placeholder 2"/>
+          <p:cNvSpPr>
+            <a:spLocks noGrp="1"/>
+          </p:cNvSpPr>
+          <p:nvPr>
+            <p:ph type="body" idx="1"/>
+          </p:nvPr>
+        </p:nvSpPr>
+        <p:spPr/>
+        <p:txBody>
+          <a:bodyPr/>
+          <a:lstStyle/>
+          <a:p>
+            <a:r>
+              <a:rPr lang="en-CA" b="1" dirty="0"/>
+              <a:t>Trade-off: </a:t>
+            </a:r>
+            <a:r>
+              <a:rPr lang="en-CA" b="0" dirty="0"/>
+              <a:t>Dimension reduction vs. (colour) preservation</a:t>
+            </a:r>
+          </a:p>
+          <a:p>
+            <a:r>
+              <a:rPr lang="en-CA" b="0" dirty="0"/>
+              <a:t>- Slightly more emphasis on dimension reduction as colour seems to be relatively well preserved.</a:t>
+            </a:r>
+            <a:endParaRPr lang="en-CA" b="1" dirty="0"/>
+          </a:p>
+        </p:txBody>
+      </p:sp>
+      <p:sp>
+        <p:nvSpPr>
+          <p:cNvPr id="4" name="Slide Number Placeholder 3"/>
+          <p:cNvSpPr>
+            <a:spLocks noGrp="1"/>
+          </p:cNvSpPr>
+          <p:nvPr>
+            <p:ph type="sldNum" sz="quarter" idx="5"/>
+          </p:nvPr>
+        </p:nvSpPr>
+        <p:spPr/>
+        <p:txBody>
+          <a:bodyPr/>
+          <a:lstStyle/>
+          <a:p>
+            <a:fld id="{10502FE3-10F1-470D-B17A-9098911A08D7}" type="slidenum">
+              <a:rPr lang="en-CA" smtClean="0"/>
+              <a:t>9</a:t>
+            </a:fld>
+            <a:endParaRPr lang="en-CA"/>
+          </a:p>
+        </p:txBody>
+      </p:sp>
+    </p:spTree>
+    <p:extLst>
+      <p:ext uri="{BB962C8B-B14F-4D97-AF65-F5344CB8AC3E}">
+        <p14:creationId xmlns:p14="http://schemas.microsoft.com/office/powerpoint/2010/main" val="3582205487"/>
+      </p:ext>
+    </p:extLst>
+  </p:cSld>
+  <p:clrMapOvr>
+    <a:masterClrMapping/>
+  </p:clrMapOvr>
+</p:notes>
+</file>
+
+<file path=ppt/notesSlides/notesSlide6.xml><?xml version="1.0" encoding="utf-8"?>
+<p:notes xmlns:a="http://schemas.openxmlformats.org/drawingml/2006/main" xmlns:r="http://schemas.openxmlformats.org/officeDocument/2006/relationships" xmlns:p="http://schemas.openxmlformats.org/presentationml/2006/main">
+  <p:cSld>
+    <p:spTree>
+      <p:nvGrpSpPr>
+        <p:cNvPr id="1" name=""/>
+        <p:cNvGrpSpPr/>
+        <p:nvPr/>
+      </p:nvGrpSpPr>
+      <p:grpSpPr>
+        <a:xfrm>
+          <a:off x="0" y="0"/>
+          <a:ext cx="0" cy="0"/>
+          <a:chOff x="0" y="0"/>
+          <a:chExt cx="0" cy="0"/>
+        </a:xfrm>
+      </p:grpSpPr>
+      <p:sp>
+        <p:nvSpPr>
+          <p:cNvPr id="2" name="Slide Image Placeholder 1"/>
+          <p:cNvSpPr>
+            <a:spLocks noGrp="1" noRot="1" noChangeAspect="1"/>
+          </p:cNvSpPr>
+          <p:nvPr>
+            <p:ph type="sldImg"/>
+          </p:nvPr>
+        </p:nvSpPr>
+        <p:spPr/>
+      </p:sp>
+      <p:sp>
+        <p:nvSpPr>
+          <p:cNvPr id="3" name="Notes Placeholder 2"/>
+          <p:cNvSpPr>
+            <a:spLocks noGrp="1"/>
+          </p:cNvSpPr>
+          <p:nvPr>
+            <p:ph type="body" idx="1"/>
+          </p:nvPr>
+        </p:nvSpPr>
+        <p:spPr/>
+        <p:txBody>
+          <a:bodyPr/>
+          <a:lstStyle/>
+          <a:p>
+            <a:r>
+              <a:rPr lang="en-CA" b="1" dirty="0"/>
+              <a:t>Dark, Fairy, and Poison types seemed to separate “best”</a:t>
+            </a:r>
+            <a:r>
+              <a:rPr lang="en-CA" b="0" dirty="0"/>
+              <a:t> – interesting since they are some of the </a:t>
+            </a:r>
+            <a:r>
+              <a:rPr lang="en-CA" b="0"/>
+              <a:t>most colour-specific.</a:t>
+            </a:r>
+            <a:endParaRPr lang="en-CA" b="0" dirty="0"/>
+          </a:p>
+          <a:p>
+            <a:endParaRPr lang="en-CA" b="0" dirty="0"/>
+          </a:p>
+          <a:p>
+            <a:r>
+              <a:rPr lang="en-CA" b="0" dirty="0"/>
+              <a:t>Side notes:</a:t>
+            </a:r>
+          </a:p>
           <a:p>
             <a:r>
               <a:rPr lang="en-CA" b="1" dirty="0"/>
@@ -4772,11 +5159,11 @@
               <a:buNone/>
             </a:pPr>
             <a:r>
-              <a:rPr b="1" dirty="0"/>
+              <a:rPr lang="en-US" b="1" dirty="0"/>
               <a:t>Motivation:</a:t>
             </a:r>
             <a:r>
-              <a:rPr dirty="0"/>
+              <a:rPr lang="en-US" dirty="0"/>
               <a:t> Nostalgia, popularity, and an interesting, numerically-structured game design.</a:t>
             </a:r>
           </a:p>
@@ -4785,20 +5172,29 @@
               <a:buNone/>
             </a:pPr>
             <a:r>
-              <a:rPr b="1" dirty="0"/>
+              <a:rPr lang="en-US" b="1" dirty="0"/>
               <a:t>Pokémon Typing:</a:t>
             </a:r>
             <a:r>
-              <a:rPr dirty="0"/>
+              <a:rPr lang="en-US" dirty="0"/>
               <a:t> Game mechanic (i.e. pairwise interactions), but also a conceptual grouping based on traits like </a:t>
             </a:r>
             <a:r>
-              <a:rPr dirty="0" err="1"/>
+              <a:rPr lang="en-US" dirty="0" err="1"/>
               <a:t>colour</a:t>
             </a:r>
             <a:r>
-              <a:rPr dirty="0"/>
+              <a:rPr lang="en-US" dirty="0"/>
               <a:t>, strength, and theme.</a:t>
+            </a:r>
+          </a:p>
+          <a:p>
+            <a:pPr marL="0" lvl="0" indent="0">
+              <a:buNone/>
+            </a:pPr>
+            <a:r>
+              <a:rPr lang="en-US" i="1" dirty="0"/>
+              <a:t>Can clustering and classification methods uncover or predict a Pokémon’s type based on its image and statistical features?</a:t>
             </a:r>
           </a:p>
         </p:txBody>
@@ -4926,7 +5322,7 @@
               <a:buNone/>
             </a:pPr>
             <a:r>
-              <a:t>Approach</a:t>
+              <a:t>Data Description</a:t>
             </a:r>
           </a:p>
         </p:txBody>
@@ -4950,8 +5346,64 @@
               <a:buNone/>
             </a:pPr>
             <a:r>
-              <a:rPr i="1" dirty="0"/>
-              <a:t>Can clustering and classification methods uncover or predict a Pokémon’s type based on its image and statistical features?</a:t>
+              <a:rPr dirty="0"/>
+              <a:t>From generations 1-7:</a:t>
+            </a:r>
+          </a:p>
+          <a:p>
+            <a:pPr marL="342900" lvl="0" indent="-342900">
+              <a:buAutoNum type="arabicPeriod"/>
+            </a:pPr>
+            <a:r>
+              <a:rPr b="1" dirty="0"/>
+              <a:t>Image Dataset:</a:t>
+            </a:r>
+            <a:r>
+              <a:rPr dirty="0"/>
+              <a:t> 809 Pokémon, 120 x 120 PNGs with RGBA</a:t>
+            </a:r>
+          </a:p>
+          <a:p>
+            <a:pPr marL="342900" lvl="0" indent="-342900">
+              <a:buAutoNum type="arabicPeriod"/>
+            </a:pPr>
+            <a:r>
+              <a:rPr b="1" dirty="0"/>
+              <a:t>Stats Dataset:</a:t>
+            </a:r>
+            <a:r>
+              <a:rPr dirty="0"/>
+              <a:t> 801 Pokémon, 41 numerical features (e.g. </a:t>
+            </a:r>
+            <a:r>
+              <a:rPr dirty="0">
+                <a:latin typeface="Courier"/>
+              </a:rPr>
+              <a:t>hp</a:t>
+            </a:r>
+            <a:r>
+              <a:rPr dirty="0"/>
+              <a:t>, </a:t>
+            </a:r>
+            <a:r>
+              <a:rPr dirty="0">
+                <a:latin typeface="Courier"/>
+              </a:rPr>
+              <a:t>attack</a:t>
+            </a:r>
+            <a:r>
+              <a:rPr dirty="0"/>
+              <a:t>, </a:t>
+            </a:r>
+            <a:r>
+              <a:rPr dirty="0" err="1">
+                <a:latin typeface="Courier"/>
+              </a:rPr>
+              <a:t>sp_defense</a:t>
+            </a:r>
+            <a:r>
+              <a:rPr dirty="0"/>
+              <a:t>, etc.)</a:t>
             </a:r>
           </a:p>
           <a:p>
@@ -4959,41 +5411,12 @@
               <a:buNone/>
             </a:pPr>
             <a:r>
+              <a:rPr b="1" dirty="0"/>
+              <a:t>Pre-processing:</a:t>
+            </a:r>
+            <a:r>
               <a:rPr dirty="0"/>
-              <a:t>Methods:</a:t>
-            </a:r>
-          </a:p>
-          <a:p>
-            <a:pPr lvl="0"/>
-            <a:r>
-              <a:rPr b="1" dirty="0"/>
-              <a:t>Dimensionality reduction:</a:t>
-            </a:r>
-            <a:r>
-              <a:rPr dirty="0"/>
-              <a:t> PCA</a:t>
-            </a:r>
-          </a:p>
-          <a:p>
-            <a:pPr lvl="0"/>
-            <a:r>
-              <a:rPr b="1" dirty="0"/>
-              <a:t>Clustering:</a:t>
-            </a:r>
-            <a:r>
-              <a:rPr dirty="0"/>
-              <a:t> k-means</a:t>
-            </a:r>
-          </a:p>
-          <a:p>
-            <a:pPr lvl="0"/>
-            <a:r>
-              <a:rPr b="1" dirty="0"/>
-              <a:t>Classification models:</a:t>
-            </a:r>
-            <a:r>
-              <a:rPr dirty="0"/>
-              <a:t> LDA, Gradient boosting</a:t>
+              <a:t> Flattened RGB image vectors (43,200 features); matched and cleaned datasets (801 shared Pokémon).</a:t>
             </a:r>
           </a:p>
         </p:txBody>
@@ -5042,98 +5465,41 @@
               <a:buNone/>
             </a:pPr>
             <a:r>
-              <a:t>Data Description</a:t>
-            </a:r>
-          </a:p>
-        </p:txBody>
-      </p:sp>
-      <p:sp>
-        <p:nvSpPr>
-          <p:cNvPr id="3" name="Content Placeholder 2"/>
-          <p:cNvSpPr>
-            <a:spLocks noGrp="1"/>
-          </p:cNvSpPr>
-          <p:nvPr>
-            <p:ph idx="1"/>
-          </p:nvPr>
-        </p:nvSpPr>
-        <p:spPr/>
-        <p:txBody>
-          <a:bodyPr/>
-          <a:lstStyle/>
-          <a:p>
-            <a:pPr marL="0" lvl="0" indent="0">
-              <a:buNone/>
-            </a:pPr>
-            <a:r>
-              <a:t>From generations 1-7:</a:t>
-            </a:r>
-          </a:p>
-          <a:p>
-            <a:pPr marL="342900" lvl="0" indent="-342900">
-              <a:buAutoNum type="arabicPeriod"/>
-            </a:pPr>
-            <a:r>
-              <a:rPr b="1"/>
-              <a:t>Image Dataset:</a:t>
-            </a:r>
-            <a:r>
-              <a:t> 809 Pokémon, 120 x 120 PNGs with RGBA</a:t>
-            </a:r>
-          </a:p>
-          <a:p>
-            <a:pPr marL="342900" lvl="0" indent="-342900">
-              <a:buAutoNum type="arabicPeriod"/>
-            </a:pPr>
-            <a:r>
-              <a:rPr b="1"/>
-              <a:t>Stats Dataset:</a:t>
-            </a:r>
-            <a:r>
-              <a:t> 801 Pokémon, 41 numerical features (e.g. </a:t>
-            </a:r>
-            <a:r>
-              <a:rPr>
-                <a:latin typeface="Courier"/>
-              </a:rPr>
-              <a:t>hp</a:t>
-            </a:r>
-            <a:r>
-              <a:t>, </a:t>
-            </a:r>
-            <a:r>
-              <a:rPr>
-                <a:latin typeface="Courier"/>
-              </a:rPr>
-              <a:t>attack</a:t>
-            </a:r>
-            <a:r>
-              <a:t>, </a:t>
-            </a:r>
-            <a:r>
-              <a:rPr>
-                <a:latin typeface="Courier"/>
-              </a:rPr>
-              <a:t>sp_defense</a:t>
-            </a:r>
-            <a:r>
-              <a:t>, etc.)</a:t>
-            </a:r>
-          </a:p>
-          <a:p>
-            <a:pPr marL="0" lvl="0" indent="0">
-              <a:buNone/>
-            </a:pPr>
-            <a:r>
-              <a:rPr b="1"/>
-              <a:t>Pre-processing:</a:t>
-            </a:r>
-            <a:r>
-              <a:t> Flattened RGB image vectors (43,200 features); matched and cleaned datasets (801 shared Pokémon).</a:t>
-            </a:r>
-          </a:p>
-        </p:txBody>
-      </p:sp>
+              <a:t>Stats</a:t>
+            </a:r>
+          </a:p>
+        </p:txBody>
+      </p:sp>
+      <p:pic>
+        <p:nvPicPr>
+          <p:cNvPr id="3" name="Picture 1" descr="Presentation_files/figure-pptx/unnamed-chunk-2-1.png"/>
+          <p:cNvPicPr>
+            <a:picLocks noGrp="1" noChangeAspect="1"/>
+          </p:cNvPicPr>
+          <p:nvPr/>
+        </p:nvPicPr>
+        <p:blipFill>
+          <a:blip r:embed="rId2"/>
+          <a:stretch>
+            <a:fillRect/>
+          </a:stretch>
+        </p:blipFill>
+        <p:spPr bwMode="auto">
+          <a:xfrm>
+            <a:off x="508000" y="1193800"/>
+            <a:ext cx="8140700" cy="3390900"/>
+          </a:xfrm>
+          <a:prstGeom prst="rect">
+            <a:avLst/>
+          </a:prstGeom>
+          <a:noFill/>
+          <a:ln w="9525">
+            <a:noFill/>
+            <a:headEnd/>
+            <a:tailEnd/>
+          </a:ln>
+        </p:spPr>
+      </p:pic>
     </p:spTree>
   </p:cSld>
   <p:clrMapOvr>
@@ -5178,21 +5544,21 @@
               <a:buNone/>
             </a:pPr>
             <a:r>
-              <a:t>Stats</a:t>
+              <a:t>Primary Type Distribution</a:t>
             </a:r>
           </a:p>
         </p:txBody>
       </p:sp>
       <p:pic>
         <p:nvPicPr>
-          <p:cNvPr id="3" name="Picture 1" descr="Presentation_files/figure-pptx/unnamed-chunk-2-1.png"/>
+          <p:cNvPr id="3" name="Picture 1" descr="Presentation_files/figure-pptx/unnamed-chunk-3-1.png"/>
           <p:cNvPicPr>
             <a:picLocks noGrp="1" noChangeAspect="1"/>
           </p:cNvPicPr>
           <p:nvPr/>
         </p:nvPicPr>
         <p:blipFill>
-          <a:blip r:embed="rId2"/>
+          <a:blip r:embed="rId3"/>
           <a:stretch>
             <a:fillRect/>
           </a:stretch>
@@ -5257,41 +5623,69 @@
               <a:buNone/>
             </a:pPr>
             <a:r>
-              <a:t>Primary Type Distribution</a:t>
-            </a:r>
-          </a:p>
-        </p:txBody>
-      </p:sp>
-      <p:pic>
-        <p:nvPicPr>
-          <p:cNvPr id="3" name="Picture 1" descr="Presentation_files/figure-pptx/unnamed-chunk-3-1.png"/>
-          <p:cNvPicPr>
-            <a:picLocks noGrp="1" noChangeAspect="1"/>
-          </p:cNvPicPr>
-          <p:nvPr/>
-        </p:nvPicPr>
-        <p:blipFill>
-          <a:blip r:embed="rId2"/>
-          <a:stretch>
-            <a:fillRect/>
-          </a:stretch>
-        </p:blipFill>
-        <p:spPr bwMode="auto">
-          <a:xfrm>
-            <a:off x="508000" y="1193800"/>
-            <a:ext cx="8140700" cy="3390900"/>
-          </a:xfrm>
-          <a:prstGeom prst="rect">
-            <a:avLst/>
-          </a:prstGeom>
-          <a:noFill/>
-          <a:ln w="9525">
-            <a:noFill/>
-            <a:headEnd/>
-            <a:tailEnd/>
-          </a:ln>
-        </p:spPr>
-      </p:pic>
+              <a:t>Methods</a:t>
+            </a:r>
+          </a:p>
+        </p:txBody>
+      </p:sp>
+      <p:sp>
+        <p:nvSpPr>
+          <p:cNvPr id="3" name="Content Placeholder 2"/>
+          <p:cNvSpPr>
+            <a:spLocks noGrp="1"/>
+          </p:cNvSpPr>
+          <p:nvPr>
+            <p:ph idx="1"/>
+          </p:nvPr>
+        </p:nvSpPr>
+        <p:spPr/>
+        <p:txBody>
+          <a:bodyPr/>
+          <a:lstStyle/>
+          <a:p>
+            <a:pPr lvl="0"/>
+            <a:r>
+              <a:rPr b="1"/>
+              <a:t>Dimension reduction:</a:t>
+            </a:r>
+            <a:r>
+              <a:t> PCA</a:t>
+            </a:r>
+          </a:p>
+          <a:p>
+            <a:pPr lvl="1"/>
+            <a:r>
+              <a:t>Images and Stats</a:t>
+            </a:r>
+          </a:p>
+          <a:p>
+            <a:pPr lvl="0"/>
+            <a:r>
+              <a:rPr b="1"/>
+              <a:t>Clustering:</a:t>
+            </a:r>
+            <a:r>
+              <a:t> k-means</a:t>
+            </a:r>
+          </a:p>
+          <a:p>
+            <a:pPr lvl="0"/>
+            <a:r>
+              <a:rPr b="1"/>
+              <a:t>Classification:</a:t>
+            </a:r>
+            <a:r>
+              <a:t> LDA, Gradient boosting</a:t>
+            </a:r>
+          </a:p>
+          <a:p>
+            <a:pPr lvl="1"/>
+            <a:r>
+              <a:t>For comparison</a:t>
+            </a:r>
+          </a:p>
+        </p:txBody>
+      </p:sp>
     </p:spTree>
   </p:cSld>
   <p:clrMapOvr>
@@ -5429,7 +5823,7 @@
           <p:nvPr/>
         </p:nvPicPr>
         <p:blipFill>
-          <a:blip r:embed="rId2"/>
+          <a:blip r:embed="rId3"/>
           <a:stretch>
             <a:fillRect/>
           </a:stretch>

--- a/Presentation-AlexPractice.pptx
+++ b/Presentation-AlexPractice.pptx
@@ -625,6 +625,20 @@
           <a:lstStyle/>
           <a:p>
             <a:r>
+              <a:rPr lang="en-CA" b="1" dirty="0"/>
+              <a:t>Time: </a:t>
+            </a:r>
+            <a:r>
+              <a:rPr lang="en-CA" b="0" dirty="0"/>
+              <a:t>1:15</a:t>
+            </a:r>
+            <a:endParaRPr lang="en-CA" b="1" dirty="0"/>
+          </a:p>
+          <a:p>
+            <a:endParaRPr lang="en-CA" dirty="0"/>
+          </a:p>
+          <a:p>
+            <a:r>
               <a:rPr lang="en-CA" dirty="0"/>
               <a:t>HP: hit points.</a:t>
             </a:r>
@@ -713,68 +727,13 @@
           <a:p>
             <a:r>
               <a:rPr lang="en-CA" b="1" dirty="0"/>
-              <a:t>Ground rules:</a:t>
+              <a:t>Time: </a:t>
             </a:r>
             <a:r>
               <a:rPr lang="en-CA" b="0" dirty="0"/>
-              <a:t> Biggest report limitation: Only focusing on primary type (type 1) </a:t>
-            </a:r>
-            <a:r>
-              <a:rPr lang="en-CA" dirty="0"/>
-              <a:t>to maintain a single-label classification structure. Ignoring secondary types (type 2).</a:t>
-            </a:r>
-          </a:p>
-          <a:p>
-            <a:pPr marL="171450" indent="-171450">
-              <a:buFontTx/>
-              <a:buChar char="-"/>
-            </a:pPr>
-            <a:r>
-              <a:rPr lang="en-CA" b="0" dirty="0"/>
-              <a:t>Big challenge for clustering algorithms.</a:t>
-            </a:r>
-          </a:p>
-          <a:p>
-            <a:pPr marL="171450" indent="-171450">
-              <a:buFontTx/>
-              <a:buChar char="-"/>
-            </a:pPr>
-            <a:endParaRPr lang="en-CA" b="0" dirty="0"/>
-          </a:p>
-          <a:p>
-            <a:pPr marL="0" indent="0">
-              <a:buFontTx/>
-              <a:buNone/>
-            </a:pPr>
-            <a:r>
-              <a:rPr lang="en-CA" b="0" dirty="0"/>
-              <a:t>Note: While technically </a:t>
-            </a:r>
-            <a:r>
-              <a:rPr lang="en-CA" b="0" dirty="0" err="1"/>
-              <a:t>Pokemon</a:t>
-            </a:r>
-            <a:r>
-              <a:rPr lang="en-CA" b="0" dirty="0"/>
-              <a:t> have “primary” types – secondary types have near equal value, making this a big limitation of our study.</a:t>
-            </a:r>
-          </a:p>
-          <a:p>
-            <a:pPr marL="0" indent="0">
-              <a:buFontTx/>
-              <a:buNone/>
-            </a:pPr>
-            <a:endParaRPr lang="en-CA" b="0" dirty="0"/>
-          </a:p>
-          <a:p>
-            <a:pPr marL="0" indent="0">
-              <a:buFontTx/>
-              <a:buNone/>
-            </a:pPr>
-            <a:r>
-              <a:rPr lang="en-CA" b="0" dirty="0"/>
-              <a:t>Looking at 18 different types.</a:t>
-            </a:r>
+              <a:t>1:50</a:t>
+            </a:r>
+            <a:endParaRPr lang="en-CA" b="1" dirty="0"/>
           </a:p>
         </p:txBody>
       </p:sp>
@@ -795,7 +754,7 @@
           <a:p>
             <a:fld id="{10502FE3-10F1-470D-B17A-9098911A08D7}" type="slidenum">
               <a:rPr lang="en-CA" smtClean="0"/>
-              <a:t>6</a:t>
+              <a:t>5</a:t>
             </a:fld>
             <a:endParaRPr lang="en-CA"/>
           </a:p>
@@ -804,7 +763,7 @@
     </p:spTree>
     <p:extLst>
       <p:ext uri="{BB962C8B-B14F-4D97-AF65-F5344CB8AC3E}">
-        <p14:creationId xmlns:p14="http://schemas.microsoft.com/office/powerpoint/2010/main" val="3408103732"/>
+        <p14:creationId xmlns:p14="http://schemas.microsoft.com/office/powerpoint/2010/main" val="2245110645"/>
       </p:ext>
     </p:extLst>
   </p:cSld>
@@ -859,16 +818,30 @@
           <a:lstStyle/>
           <a:p>
             <a:r>
+              <a:rPr lang="en-CA" b="1" dirty="0"/>
+              <a:t>Time: </a:t>
+            </a:r>
+            <a:r>
+              <a:rPr lang="en-CA" b="0" dirty="0"/>
+              <a:t>3min</a:t>
+            </a:r>
+            <a:endParaRPr lang="en-CA" b="1" dirty="0"/>
+          </a:p>
+          <a:p>
+            <a:endParaRPr lang="en-CA" b="1" dirty="0"/>
+          </a:p>
+          <a:p>
+            <a:r>
+              <a:rPr lang="en-CA" b="1" dirty="0"/>
+              <a:t>Ground rules:</a:t>
+            </a:r>
+            <a:r>
+              <a:rPr lang="en-CA" b="0" dirty="0"/>
+              <a:t> Biggest report limitation: Only focusing on primary type (type 1) </a:t>
+            </a:r>
+            <a:r>
               <a:rPr lang="en-CA" dirty="0"/>
-              <a:t>PC1: height-width stretch = </a:t>
-            </a:r>
-            <a:r>
-              <a:rPr lang="en-CA" dirty="0" err="1"/>
-              <a:t>Pokemon</a:t>
-            </a:r>
-            <a:r>
-              <a:rPr lang="en-CA" dirty="0"/>
-              <a:t> area (size); PC2: height-width ratio</a:t>
+              <a:t>to maintain a single-label classification structure. Ignoring secondary types (type 2).</a:t>
             </a:r>
           </a:p>
           <a:p>
@@ -877,8 +850,8 @@
               <a:buChar char="-"/>
             </a:pPr>
             <a:r>
-              <a:rPr lang="en-CA" dirty="0"/>
-              <a:t>Lack of separation is expected.</a:t>
+              <a:rPr lang="en-CA" b="0" dirty="0"/>
+              <a:t>Big challenge for clustering algorithms.</a:t>
             </a:r>
           </a:p>
           <a:p>
@@ -886,9 +859,41 @@
               <a:buFontTx/>
               <a:buChar char="-"/>
             </a:pPr>
-            <a:r>
-              <a:rPr lang="en-CA" dirty="0"/>
-              <a:t>Inspires a nonlinear/local dimension reduction technique, i.e. UMAP.</a:t>
+            <a:endParaRPr lang="en-CA" b="0" dirty="0"/>
+          </a:p>
+          <a:p>
+            <a:pPr marL="0" indent="0">
+              <a:buFontTx/>
+              <a:buNone/>
+            </a:pPr>
+            <a:r>
+              <a:rPr lang="en-CA" b="0" dirty="0"/>
+              <a:t>Note: While technically </a:t>
+            </a:r>
+            <a:r>
+              <a:rPr lang="en-CA" b="0" dirty="0" err="1"/>
+              <a:t>Pokemon</a:t>
+            </a:r>
+            <a:r>
+              <a:rPr lang="en-CA" b="0" dirty="0"/>
+              <a:t> have “primary” types – secondary types have near equal value, making this a big limitation of our study.</a:t>
+            </a:r>
+          </a:p>
+          <a:p>
+            <a:pPr marL="0" indent="0">
+              <a:buFontTx/>
+              <a:buNone/>
+            </a:pPr>
+            <a:endParaRPr lang="en-CA" b="0" dirty="0"/>
+          </a:p>
+          <a:p>
+            <a:pPr marL="0" indent="0">
+              <a:buFontTx/>
+              <a:buNone/>
+            </a:pPr>
+            <a:r>
+              <a:rPr lang="en-CA" b="0" dirty="0"/>
+              <a:t>Looking at 18 different types.</a:t>
             </a:r>
           </a:p>
         </p:txBody>
@@ -910,7 +915,7 @@
           <a:p>
             <a:fld id="{10502FE3-10F1-470D-B17A-9098911A08D7}" type="slidenum">
               <a:rPr lang="en-CA" smtClean="0"/>
-              <a:t>8</a:t>
+              <a:t>6</a:t>
             </a:fld>
             <a:endParaRPr lang="en-CA"/>
           </a:p>
@@ -919,7 +924,7 @@
     </p:spTree>
     <p:extLst>
       <p:ext uri="{BB962C8B-B14F-4D97-AF65-F5344CB8AC3E}">
-        <p14:creationId xmlns:p14="http://schemas.microsoft.com/office/powerpoint/2010/main" val="196432363"/>
+        <p14:creationId xmlns:p14="http://schemas.microsoft.com/office/powerpoint/2010/main" val="3408103732"/>
       </p:ext>
     </p:extLst>
   </p:cSld>
@@ -975,17 +980,11 @@
           <a:p>
             <a:r>
               <a:rPr lang="en-CA" b="1" dirty="0"/>
-              <a:t>Trade-off: </a:t>
+              <a:t>Time: </a:t>
             </a:r>
             <a:r>
               <a:rPr lang="en-CA" b="0" dirty="0"/>
-              <a:t>Dimension reduction vs. (colour) preservation</a:t>
-            </a:r>
-          </a:p>
-          <a:p>
-            <a:r>
-              <a:rPr lang="en-CA" b="0" dirty="0"/>
-              <a:t>- Slightly more emphasis on dimension reduction as colour seems to be relatively well preserved.</a:t>
+              <a:t>4min</a:t>
             </a:r>
             <a:endParaRPr lang="en-CA" b="1" dirty="0"/>
           </a:p>
@@ -1008,7 +1007,7 @@
           <a:p>
             <a:fld id="{10502FE3-10F1-470D-B17A-9098911A08D7}" type="slidenum">
               <a:rPr lang="en-CA" smtClean="0"/>
-              <a:t>9</a:t>
+              <a:t>7</a:t>
             </a:fld>
             <a:endParaRPr lang="en-CA"/>
           </a:p>
@@ -1017,7 +1016,7 @@
     </p:spTree>
     <p:extLst>
       <p:ext uri="{BB962C8B-B14F-4D97-AF65-F5344CB8AC3E}">
-        <p14:creationId xmlns:p14="http://schemas.microsoft.com/office/powerpoint/2010/main" val="3582205487"/>
+        <p14:creationId xmlns:p14="http://schemas.microsoft.com/office/powerpoint/2010/main" val="1877176710"/>
       </p:ext>
     </p:extLst>
   </p:cSld>
@@ -1073,17 +1072,253 @@
           <a:p>
             <a:r>
               <a:rPr lang="en-CA" b="1" dirty="0"/>
+              <a:t>Time: </a:t>
+            </a:r>
+            <a:r>
+              <a:rPr lang="en-CA" b="0" dirty="0"/>
+              <a:t>4:20</a:t>
+            </a:r>
+            <a:endParaRPr lang="en-CA" b="1" dirty="0"/>
+          </a:p>
+          <a:p>
+            <a:endParaRPr lang="en-CA" dirty="0"/>
+          </a:p>
+          <a:p>
+            <a:r>
+              <a:rPr lang="en-CA" dirty="0"/>
+              <a:t>PC1: height-width stretch = </a:t>
+            </a:r>
+            <a:r>
+              <a:rPr lang="en-CA" dirty="0" err="1"/>
+              <a:t>Pokemon</a:t>
+            </a:r>
+            <a:r>
+              <a:rPr lang="en-CA" dirty="0"/>
+              <a:t> area (size); PC2: height-width ratio</a:t>
+            </a:r>
+          </a:p>
+          <a:p>
+            <a:pPr marL="171450" indent="-171450">
+              <a:buFontTx/>
+              <a:buChar char="-"/>
+            </a:pPr>
+            <a:r>
+              <a:rPr lang="en-CA" dirty="0"/>
+              <a:t>Lack of separation is expected.</a:t>
+            </a:r>
+          </a:p>
+          <a:p>
+            <a:pPr marL="171450" indent="-171450">
+              <a:buFontTx/>
+              <a:buChar char="-"/>
+            </a:pPr>
+            <a:r>
+              <a:rPr lang="en-CA" dirty="0"/>
+              <a:t>Inspires a nonlinear/local dimension reduction technique, i.e. UMAP.</a:t>
+            </a:r>
+          </a:p>
+        </p:txBody>
+      </p:sp>
+      <p:sp>
+        <p:nvSpPr>
+          <p:cNvPr id="4" name="Slide Number Placeholder 3"/>
+          <p:cNvSpPr>
+            <a:spLocks noGrp="1"/>
+          </p:cNvSpPr>
+          <p:nvPr>
+            <p:ph type="sldNum" sz="quarter" idx="5"/>
+          </p:nvPr>
+        </p:nvSpPr>
+        <p:spPr/>
+        <p:txBody>
+          <a:bodyPr/>
+          <a:lstStyle/>
+          <a:p>
+            <a:fld id="{10502FE3-10F1-470D-B17A-9098911A08D7}" type="slidenum">
+              <a:rPr lang="en-CA" smtClean="0"/>
+              <a:t>8</a:t>
+            </a:fld>
+            <a:endParaRPr lang="en-CA"/>
+          </a:p>
+        </p:txBody>
+      </p:sp>
+    </p:spTree>
+    <p:extLst>
+      <p:ext uri="{BB962C8B-B14F-4D97-AF65-F5344CB8AC3E}">
+        <p14:creationId xmlns:p14="http://schemas.microsoft.com/office/powerpoint/2010/main" val="196432363"/>
+      </p:ext>
+    </p:extLst>
+  </p:cSld>
+  <p:clrMapOvr>
+    <a:masterClrMapping/>
+  </p:clrMapOvr>
+</p:notes>
+</file>
+
+<file path=ppt/notesSlides/notesSlide7.xml><?xml version="1.0" encoding="utf-8"?>
+<p:notes xmlns:a="http://schemas.openxmlformats.org/drawingml/2006/main" xmlns:r="http://schemas.openxmlformats.org/officeDocument/2006/relationships" xmlns:p="http://schemas.openxmlformats.org/presentationml/2006/main">
+  <p:cSld>
+    <p:spTree>
+      <p:nvGrpSpPr>
+        <p:cNvPr id="1" name=""/>
+        <p:cNvGrpSpPr/>
+        <p:nvPr/>
+      </p:nvGrpSpPr>
+      <p:grpSpPr>
+        <a:xfrm>
+          <a:off x="0" y="0"/>
+          <a:ext cx="0" cy="0"/>
+          <a:chOff x="0" y="0"/>
+          <a:chExt cx="0" cy="0"/>
+        </a:xfrm>
+      </p:grpSpPr>
+      <p:sp>
+        <p:nvSpPr>
+          <p:cNvPr id="2" name="Slide Image Placeholder 1"/>
+          <p:cNvSpPr>
+            <a:spLocks noGrp="1" noRot="1" noChangeAspect="1"/>
+          </p:cNvSpPr>
+          <p:nvPr>
+            <p:ph type="sldImg"/>
+          </p:nvPr>
+        </p:nvSpPr>
+        <p:spPr/>
+      </p:sp>
+      <p:sp>
+        <p:nvSpPr>
+          <p:cNvPr id="3" name="Notes Placeholder 2"/>
+          <p:cNvSpPr>
+            <a:spLocks noGrp="1"/>
+          </p:cNvSpPr>
+          <p:nvPr>
+            <p:ph type="body" idx="1"/>
+          </p:nvPr>
+        </p:nvSpPr>
+        <p:spPr/>
+        <p:txBody>
+          <a:bodyPr/>
+          <a:lstStyle/>
+          <a:p>
+            <a:r>
+              <a:rPr lang="en-CA" b="1" dirty="0"/>
+              <a:t>Trade-off: </a:t>
+            </a:r>
+            <a:r>
+              <a:rPr lang="en-CA" b="0" dirty="0"/>
+              <a:t>Dimension reduction vs. (colour) preservation</a:t>
+            </a:r>
+          </a:p>
+          <a:p>
+            <a:r>
+              <a:rPr lang="en-CA" b="0" dirty="0"/>
+              <a:t>- Slightly more emphasis on dimension reduction as colour seems to be relatively well preserved.</a:t>
+            </a:r>
+            <a:endParaRPr lang="en-CA" b="1" dirty="0"/>
+          </a:p>
+        </p:txBody>
+      </p:sp>
+      <p:sp>
+        <p:nvSpPr>
+          <p:cNvPr id="4" name="Slide Number Placeholder 3"/>
+          <p:cNvSpPr>
+            <a:spLocks noGrp="1"/>
+          </p:cNvSpPr>
+          <p:nvPr>
+            <p:ph type="sldNum" sz="quarter" idx="5"/>
+          </p:nvPr>
+        </p:nvSpPr>
+        <p:spPr/>
+        <p:txBody>
+          <a:bodyPr/>
+          <a:lstStyle/>
+          <a:p>
+            <a:fld id="{10502FE3-10F1-470D-B17A-9098911A08D7}" type="slidenum">
+              <a:rPr lang="en-CA" smtClean="0"/>
+              <a:t>9</a:t>
+            </a:fld>
+            <a:endParaRPr lang="en-CA"/>
+          </a:p>
+        </p:txBody>
+      </p:sp>
+    </p:spTree>
+    <p:extLst>
+      <p:ext uri="{BB962C8B-B14F-4D97-AF65-F5344CB8AC3E}">
+        <p14:creationId xmlns:p14="http://schemas.microsoft.com/office/powerpoint/2010/main" val="3582205487"/>
+      </p:ext>
+    </p:extLst>
+  </p:cSld>
+  <p:clrMapOvr>
+    <a:masterClrMapping/>
+  </p:clrMapOvr>
+</p:notes>
+</file>
+
+<file path=ppt/notesSlides/notesSlide8.xml><?xml version="1.0" encoding="utf-8"?>
+<p:notes xmlns:a="http://schemas.openxmlformats.org/drawingml/2006/main" xmlns:r="http://schemas.openxmlformats.org/officeDocument/2006/relationships" xmlns:p="http://schemas.openxmlformats.org/presentationml/2006/main">
+  <p:cSld>
+    <p:spTree>
+      <p:nvGrpSpPr>
+        <p:cNvPr id="1" name=""/>
+        <p:cNvGrpSpPr/>
+        <p:nvPr/>
+      </p:nvGrpSpPr>
+      <p:grpSpPr>
+        <a:xfrm>
+          <a:off x="0" y="0"/>
+          <a:ext cx="0" cy="0"/>
+          <a:chOff x="0" y="0"/>
+          <a:chExt cx="0" cy="0"/>
+        </a:xfrm>
+      </p:grpSpPr>
+      <p:sp>
+        <p:nvSpPr>
+          <p:cNvPr id="2" name="Slide Image Placeholder 1"/>
+          <p:cNvSpPr>
+            <a:spLocks noGrp="1" noRot="1" noChangeAspect="1"/>
+          </p:cNvSpPr>
+          <p:nvPr>
+            <p:ph type="sldImg"/>
+          </p:nvPr>
+        </p:nvSpPr>
+        <p:spPr/>
+      </p:sp>
+      <p:sp>
+        <p:nvSpPr>
+          <p:cNvPr id="3" name="Notes Placeholder 2"/>
+          <p:cNvSpPr>
+            <a:spLocks noGrp="1"/>
+          </p:cNvSpPr>
+          <p:nvPr>
+            <p:ph type="body" idx="1"/>
+          </p:nvPr>
+        </p:nvSpPr>
+        <p:spPr/>
+        <p:txBody>
+          <a:bodyPr/>
+          <a:lstStyle/>
+          <a:p>
+            <a:r>
+              <a:rPr lang="en-CA" b="1" dirty="0"/>
+              <a:t>Time: </a:t>
+            </a:r>
+            <a:r>
+              <a:rPr lang="en-CA" b="0" dirty="0"/>
+              <a:t>6min</a:t>
+            </a:r>
+            <a:endParaRPr lang="en-CA" b="1" dirty="0"/>
+          </a:p>
+          <a:p>
+            <a:endParaRPr lang="en-CA" b="1" dirty="0"/>
+          </a:p>
+          <a:p>
+            <a:r>
+              <a:rPr lang="en-CA" b="1" dirty="0"/>
               <a:t>Dark, Fairy, and Poison types seemed to separate “best”</a:t>
             </a:r>
             <a:r>
               <a:rPr lang="en-CA" b="0" dirty="0"/>
-              <a:t> – interesting since they are some of the </a:t>
-            </a:r>
-            <a:r>
-              <a:rPr lang="en-CA" b="0"/>
-              <a:t>most colour-specific.</a:t>
-            </a:r>
-            <a:endParaRPr lang="en-CA" b="0" dirty="0"/>
+              <a:t> – interesting since they are some of the most colour-specific.</a:t>
+            </a:r>
           </a:p>
           <a:p>
             <a:endParaRPr lang="en-CA" b="0" dirty="0"/>
@@ -5479,7 +5714,7 @@
           <p:nvPr/>
         </p:nvPicPr>
         <p:blipFill>
-          <a:blip r:embed="rId2"/>
+          <a:blip r:embed="rId3"/>
           <a:stretch>
             <a:fillRect/>
           </a:stretch>
